--- a/2022/4/Курсовая 04_1/Ленар/Презентация Ленар.pptx
+++ b/2022/4/Курсовая 04_1/Ленар/Презентация Ленар.pptx
@@ -393,7 +393,7 @@
           <a:p>
             <a:fld id="{0779C1C3-226D-4BAC-9434-14F4AC5D88D3}" type="datetimeFigureOut">
               <a:rPr lang="ru-RU" smtClean="0"/>
-              <a:t>14.12.2022</a:t>
+              <a:t>15.12.2022</a:t>
             </a:fld>
             <a:endParaRPr lang="ru-RU"/>
           </a:p>
@@ -807,7 +807,7 @@
           <a:p>
             <a:fld id="{0779C1C3-226D-4BAC-9434-14F4AC5D88D3}" type="datetimeFigureOut">
               <a:rPr lang="ru-RU" smtClean="0"/>
-              <a:t>14.12.2022</a:t>
+              <a:t>15.12.2022</a:t>
             </a:fld>
             <a:endParaRPr lang="ru-RU"/>
           </a:p>
@@ -1143,7 +1143,7 @@
           <a:p>
             <a:fld id="{0779C1C3-226D-4BAC-9434-14F4AC5D88D3}" type="datetimeFigureOut">
               <a:rPr lang="ru-RU" smtClean="0"/>
-              <a:t>14.12.2022</a:t>
+              <a:t>15.12.2022</a:t>
             </a:fld>
             <a:endParaRPr lang="ru-RU"/>
           </a:p>
@@ -1548,7 +1548,7 @@
           <a:p>
             <a:fld id="{0779C1C3-226D-4BAC-9434-14F4AC5D88D3}" type="datetimeFigureOut">
               <a:rPr lang="ru-RU" smtClean="0"/>
-              <a:t>14.12.2022</a:t>
+              <a:t>15.12.2022</a:t>
             </a:fld>
             <a:endParaRPr lang="ru-RU"/>
           </a:p>
@@ -2116,7 +2116,7 @@
           <a:p>
             <a:fld id="{0779C1C3-226D-4BAC-9434-14F4AC5D88D3}" type="datetimeFigureOut">
               <a:rPr lang="ru-RU" smtClean="0"/>
-              <a:t>14.12.2022</a:t>
+              <a:t>15.12.2022</a:t>
             </a:fld>
             <a:endParaRPr lang="ru-RU"/>
           </a:p>
@@ -2797,7 +2797,7 @@
           <a:p>
             <a:fld id="{0779C1C3-226D-4BAC-9434-14F4AC5D88D3}" type="datetimeFigureOut">
               <a:rPr lang="ru-RU" smtClean="0"/>
-              <a:t>14.12.2022</a:t>
+              <a:t>15.12.2022</a:t>
             </a:fld>
             <a:endParaRPr lang="ru-RU"/>
           </a:p>
@@ -3710,7 +3710,7 @@
           <a:p>
             <a:fld id="{0779C1C3-226D-4BAC-9434-14F4AC5D88D3}" type="datetimeFigureOut">
               <a:rPr lang="ru-RU" smtClean="0"/>
-              <a:t>14.12.2022</a:t>
+              <a:t>15.12.2022</a:t>
             </a:fld>
             <a:endParaRPr lang="ru-RU"/>
           </a:p>
@@ -4023,7 +4023,7 @@
           <a:p>
             <a:fld id="{0779C1C3-226D-4BAC-9434-14F4AC5D88D3}" type="datetimeFigureOut">
               <a:rPr lang="ru-RU" smtClean="0"/>
-              <a:t>14.12.2022</a:t>
+              <a:t>15.12.2022</a:t>
             </a:fld>
             <a:endParaRPr lang="ru-RU"/>
           </a:p>
@@ -4287,7 +4287,7 @@
           <a:p>
             <a:fld id="{0779C1C3-226D-4BAC-9434-14F4AC5D88D3}" type="datetimeFigureOut">
               <a:rPr lang="ru-RU" smtClean="0"/>
-              <a:t>14.12.2022</a:t>
+              <a:t>15.12.2022</a:t>
             </a:fld>
             <a:endParaRPr lang="ru-RU"/>
           </a:p>
@@ -4610,7 +4610,7 @@
           <a:p>
             <a:fld id="{0779C1C3-226D-4BAC-9434-14F4AC5D88D3}" type="datetimeFigureOut">
               <a:rPr lang="ru-RU" smtClean="0"/>
-              <a:t>14.12.2022</a:t>
+              <a:t>15.12.2022</a:t>
             </a:fld>
             <a:endParaRPr lang="ru-RU"/>
           </a:p>
@@ -4999,7 +4999,7 @@
           <a:p>
             <a:fld id="{0779C1C3-226D-4BAC-9434-14F4AC5D88D3}" type="datetimeFigureOut">
               <a:rPr lang="ru-RU" smtClean="0"/>
-              <a:t>14.12.2022</a:t>
+              <a:t>15.12.2022</a:t>
             </a:fld>
             <a:endParaRPr lang="ru-RU"/>
           </a:p>
@@ -5375,7 +5375,7 @@
           <a:p>
             <a:fld id="{0779C1C3-226D-4BAC-9434-14F4AC5D88D3}" type="datetimeFigureOut">
               <a:rPr lang="ru-RU" smtClean="0"/>
-              <a:t>14.12.2022</a:t>
+              <a:t>15.12.2022</a:t>
             </a:fld>
             <a:endParaRPr lang="ru-RU"/>
           </a:p>
@@ -5881,7 +5881,7 @@
           <a:p>
             <a:fld id="{0779C1C3-226D-4BAC-9434-14F4AC5D88D3}" type="datetimeFigureOut">
               <a:rPr lang="ru-RU" smtClean="0"/>
-              <a:t>14.12.2022</a:t>
+              <a:t>15.12.2022</a:t>
             </a:fld>
             <a:endParaRPr lang="ru-RU"/>
           </a:p>
@@ -6138,7 +6138,7 @@
           <a:p>
             <a:fld id="{0779C1C3-226D-4BAC-9434-14F4AC5D88D3}" type="datetimeFigureOut">
               <a:rPr lang="ru-RU" smtClean="0"/>
-              <a:t>14.12.2022</a:t>
+              <a:t>15.12.2022</a:t>
             </a:fld>
             <a:endParaRPr lang="ru-RU"/>
           </a:p>
@@ -6301,7 +6301,7 @@
           <a:p>
             <a:fld id="{0779C1C3-226D-4BAC-9434-14F4AC5D88D3}" type="datetimeFigureOut">
               <a:rPr lang="ru-RU" smtClean="0"/>
-              <a:t>14.12.2022</a:t>
+              <a:t>15.12.2022</a:t>
             </a:fld>
             <a:endParaRPr lang="ru-RU"/>
           </a:p>
@@ -6691,7 +6691,7 @@
           <a:p>
             <a:fld id="{0779C1C3-226D-4BAC-9434-14F4AC5D88D3}" type="datetimeFigureOut">
               <a:rPr lang="ru-RU" smtClean="0"/>
-              <a:t>14.12.2022</a:t>
+              <a:t>15.12.2022</a:t>
             </a:fld>
             <a:endParaRPr lang="ru-RU"/>
           </a:p>
@@ -7100,7 +7100,7 @@
           <a:p>
             <a:fld id="{0779C1C3-226D-4BAC-9434-14F4AC5D88D3}" type="datetimeFigureOut">
               <a:rPr lang="ru-RU" smtClean="0"/>
-              <a:t>14.12.2022</a:t>
+              <a:t>15.12.2022</a:t>
             </a:fld>
             <a:endParaRPr lang="ru-RU"/>
           </a:p>
@@ -7344,7 +7344,7 @@
           <a:p>
             <a:fld id="{0779C1C3-226D-4BAC-9434-14F4AC5D88D3}" type="datetimeFigureOut">
               <a:rPr lang="ru-RU" smtClean="0"/>
-              <a:t>14.12.2022</a:t>
+              <a:t>15.12.2022</a:t>
             </a:fld>
             <a:endParaRPr lang="ru-RU"/>
           </a:p>
@@ -7894,10 +7894,6 @@
               </a:rPr>
               <a:t> Л. Р.</a:t>
             </a:r>
-            <a:endParaRPr lang="ru-RU" sz="2800" dirty="0" smtClean="0">
-              <a:latin typeface="Times New Roman" panose="02020603050405020304" pitchFamily="18" charset="0"/>
-              <a:cs typeface="Times New Roman" panose="02020603050405020304" pitchFamily="18" charset="0"/>
-            </a:endParaRPr>
           </a:p>
           <a:p>
             <a:r>
@@ -8306,14 +8302,14 @@
       </p:sp>
       <p:pic>
         <p:nvPicPr>
-          <p:cNvPr id="9" name="Рисунок 8"/>
+          <p:cNvPr id="5" name="Рисунок 4"/>
           <p:cNvPicPr>
             <a:picLocks noChangeAspect="1"/>
           </p:cNvPicPr>
           <p:nvPr/>
         </p:nvPicPr>
         <p:blipFill>
-          <a:blip r:embed="rId2" cstate="print">
+          <a:blip r:embed="rId2">
             <a:extLst>
               <a:ext uri="{28A0092B-C50C-407E-A947-70E740481C1C}">
                 <a14:useLocalDpi xmlns:a14="http://schemas.microsoft.com/office/drawing/2010/main" val="0"/>
@@ -8326,8 +8322,8 @@
         </p:blipFill>
         <p:spPr>
           <a:xfrm>
-            <a:off x="8511085" y="1562569"/>
-            <a:ext cx="2842715" cy="5070764"/>
+            <a:off x="598809" y="1872565"/>
+            <a:ext cx="5441773" cy="4450772"/>
           </a:xfrm>
           <a:prstGeom prst="rect">
             <a:avLst/>
@@ -8336,7 +8332,7 @@
       </p:pic>
       <p:pic>
         <p:nvPicPr>
-          <p:cNvPr id="5" name="Рисунок 4"/>
+          <p:cNvPr id="3" name="Рисунок 2"/>
           <p:cNvPicPr>
             <a:picLocks noChangeAspect="1"/>
           </p:cNvPicPr>
@@ -8356,8 +8352,8 @@
         </p:blipFill>
         <p:spPr>
           <a:xfrm>
-            <a:off x="598809" y="1872565"/>
-            <a:ext cx="7562850" cy="4450772"/>
+            <a:off x="6526357" y="1562569"/>
+            <a:ext cx="5305425" cy="4768958"/>
           </a:xfrm>
           <a:prstGeom prst="rect">
             <a:avLst/>
@@ -8653,14 +8649,14 @@
       </p:sp>
       <p:pic>
         <p:nvPicPr>
-          <p:cNvPr id="3" name="Рисунок 2"/>
+          <p:cNvPr id="5" name="Рисунок 4"/>
           <p:cNvPicPr>
             <a:picLocks noChangeAspect="1"/>
           </p:cNvPicPr>
           <p:nvPr/>
         </p:nvPicPr>
         <p:blipFill>
-          <a:blip r:embed="rId2" cstate="print">
+          <a:blip r:embed="rId2">
             <a:extLst>
               <a:ext uri="{28A0092B-C50C-407E-A947-70E740481C1C}">
                 <a14:useLocalDpi xmlns:a14="http://schemas.microsoft.com/office/drawing/2010/main" val="0"/>
@@ -8673,8 +8669,8 @@
         </p:blipFill>
         <p:spPr>
           <a:xfrm>
-            <a:off x="242453" y="2168405"/>
-            <a:ext cx="4814455" cy="3622793"/>
+            <a:off x="601373" y="1898506"/>
+            <a:ext cx="6048809" cy="2159578"/>
           </a:xfrm>
           <a:prstGeom prst="rect">
             <a:avLst/>
@@ -8683,14 +8679,14 @@
       </p:pic>
       <p:pic>
         <p:nvPicPr>
-          <p:cNvPr id="4" name="Рисунок 3"/>
+          <p:cNvPr id="6" name="Рисунок 5"/>
           <p:cNvPicPr>
             <a:picLocks noChangeAspect="1"/>
           </p:cNvPicPr>
           <p:nvPr/>
         </p:nvPicPr>
         <p:blipFill>
-          <a:blip r:embed="rId3" cstate="print">
+          <a:blip r:embed="rId3">
             <a:extLst>
               <a:ext uri="{28A0092B-C50C-407E-A947-70E740481C1C}">
                 <a14:useLocalDpi xmlns:a14="http://schemas.microsoft.com/office/drawing/2010/main" val="0"/>
@@ -8703,8 +8699,68 @@
         </p:blipFill>
         <p:spPr>
           <a:xfrm>
-            <a:off x="5506639" y="1432130"/>
-            <a:ext cx="6061907" cy="4525323"/>
+            <a:off x="601373" y="4058084"/>
+            <a:ext cx="6048809" cy="2564389"/>
+          </a:xfrm>
+          <a:prstGeom prst="rect">
+            <a:avLst/>
+          </a:prstGeom>
+        </p:spPr>
+      </p:pic>
+      <p:pic>
+        <p:nvPicPr>
+          <p:cNvPr id="7" name="Рисунок 6"/>
+          <p:cNvPicPr>
+            <a:picLocks noChangeAspect="1"/>
+          </p:cNvPicPr>
+          <p:nvPr/>
+        </p:nvPicPr>
+        <p:blipFill>
+          <a:blip r:embed="rId4">
+            <a:extLst>
+              <a:ext uri="{28A0092B-C50C-407E-A947-70E740481C1C}">
+                <a14:useLocalDpi xmlns:a14="http://schemas.microsoft.com/office/drawing/2010/main" val="0"/>
+              </a:ext>
+            </a:extLst>
+          </a:blip>
+          <a:stretch>
+            <a:fillRect/>
+          </a:stretch>
+        </p:blipFill>
+        <p:spPr>
+          <a:xfrm>
+            <a:off x="6650182" y="572944"/>
+            <a:ext cx="5195454" cy="2959966"/>
+          </a:xfrm>
+          <a:prstGeom prst="rect">
+            <a:avLst/>
+          </a:prstGeom>
+        </p:spPr>
+      </p:pic>
+      <p:pic>
+        <p:nvPicPr>
+          <p:cNvPr id="8" name="Рисунок 7"/>
+          <p:cNvPicPr>
+            <a:picLocks noChangeAspect="1"/>
+          </p:cNvPicPr>
+          <p:nvPr/>
+        </p:nvPicPr>
+        <p:blipFill>
+          <a:blip r:embed="rId5">
+            <a:extLst>
+              <a:ext uri="{28A0092B-C50C-407E-A947-70E740481C1C}">
+                <a14:useLocalDpi xmlns:a14="http://schemas.microsoft.com/office/drawing/2010/main" val="0"/>
+              </a:ext>
+            </a:extLst>
+          </a:blip>
+          <a:stretch>
+            <a:fillRect/>
+          </a:stretch>
+        </p:blipFill>
+        <p:spPr>
+          <a:xfrm>
+            <a:off x="6650182" y="3532910"/>
+            <a:ext cx="5195454" cy="3237156"/>
           </a:xfrm>
           <a:prstGeom prst="rect">
             <a:avLst/>
@@ -8786,14 +8842,14 @@
       </p:sp>
       <p:pic>
         <p:nvPicPr>
-          <p:cNvPr id="3" name="Рисунок 2"/>
+          <p:cNvPr id="5" name="Рисунок 4"/>
           <p:cNvPicPr>
             <a:picLocks noChangeAspect="1"/>
           </p:cNvPicPr>
           <p:nvPr/>
         </p:nvPicPr>
         <p:blipFill>
-          <a:blip r:embed="rId2" cstate="print">
+          <a:blip r:embed="rId2">
             <a:extLst>
               <a:ext uri="{28A0092B-C50C-407E-A947-70E740481C1C}">
                 <a14:useLocalDpi xmlns:a14="http://schemas.microsoft.com/office/drawing/2010/main" val="0"/>
@@ -8806,8 +8862,8 @@
         </p:blipFill>
         <p:spPr>
           <a:xfrm>
-            <a:off x="117763" y="2022763"/>
-            <a:ext cx="5119051" cy="3859574"/>
+            <a:off x="4527840" y="1572543"/>
+            <a:ext cx="5960052" cy="2814151"/>
           </a:xfrm>
           <a:prstGeom prst="rect">
             <a:avLst/>
@@ -8816,14 +8872,14 @@
       </p:pic>
       <p:pic>
         <p:nvPicPr>
-          <p:cNvPr id="4" name="Рисунок 3"/>
+          <p:cNvPr id="6" name="Рисунок 5"/>
           <p:cNvPicPr>
             <a:picLocks noChangeAspect="1"/>
           </p:cNvPicPr>
           <p:nvPr/>
         </p:nvPicPr>
         <p:blipFill>
-          <a:blip r:embed="rId3" cstate="print">
+          <a:blip r:embed="rId3">
             <a:extLst>
               <a:ext uri="{28A0092B-C50C-407E-A947-70E740481C1C}">
                 <a14:useLocalDpi xmlns:a14="http://schemas.microsoft.com/office/drawing/2010/main" val="0"/>
@@ -8836,8 +8892,8 @@
         </p:blipFill>
         <p:spPr>
           <a:xfrm>
-            <a:off x="6360418" y="2022764"/>
-            <a:ext cx="5402091" cy="3859574"/>
+            <a:off x="4527840" y="4386693"/>
+            <a:ext cx="5960052" cy="1016579"/>
           </a:xfrm>
           <a:prstGeom prst="rect">
             <a:avLst/>

--- a/2022/4/Курсовая 04_1/Ленар/Презентация Ленар.pptx
+++ b/2022/4/Курсовая 04_1/Ленар/Презентация Ленар.pptx
@@ -8302,7 +8302,7 @@
       </p:sp>
       <p:pic>
         <p:nvPicPr>
-          <p:cNvPr id="5" name="Рисунок 4"/>
+          <p:cNvPr id="3" name="Рисунок 2"/>
           <p:cNvPicPr>
             <a:picLocks noChangeAspect="1"/>
           </p:cNvPicPr>
@@ -8310,36 +8310,6 @@
         </p:nvPicPr>
         <p:blipFill>
           <a:blip r:embed="rId2">
-            <a:extLst>
-              <a:ext uri="{28A0092B-C50C-407E-A947-70E740481C1C}">
-                <a14:useLocalDpi xmlns:a14="http://schemas.microsoft.com/office/drawing/2010/main" val="0"/>
-              </a:ext>
-            </a:extLst>
-          </a:blip>
-          <a:stretch>
-            <a:fillRect/>
-          </a:stretch>
-        </p:blipFill>
-        <p:spPr>
-          <a:xfrm>
-            <a:off x="598809" y="1872565"/>
-            <a:ext cx="5441773" cy="4450772"/>
-          </a:xfrm>
-          <a:prstGeom prst="rect">
-            <a:avLst/>
-          </a:prstGeom>
-        </p:spPr>
-      </p:pic>
-      <p:pic>
-        <p:nvPicPr>
-          <p:cNvPr id="3" name="Рисунок 2"/>
-          <p:cNvPicPr>
-            <a:picLocks noChangeAspect="1"/>
-          </p:cNvPicPr>
-          <p:nvPr/>
-        </p:nvPicPr>
-        <p:blipFill>
-          <a:blip r:embed="rId3">
             <a:extLst>
               <a:ext uri="{28A0092B-C50C-407E-A947-70E740481C1C}">
                 <a14:useLocalDpi xmlns:a14="http://schemas.microsoft.com/office/drawing/2010/main" val="0"/>
@@ -8422,66 +8392,6 @@
           </a:p>
         </p:txBody>
       </p:sp>
-      <p:pic>
-        <p:nvPicPr>
-          <p:cNvPr id="7" name="Рисунок 6"/>
-          <p:cNvPicPr>
-            <a:picLocks noChangeAspect="1"/>
-          </p:cNvPicPr>
-          <p:nvPr/>
-        </p:nvPicPr>
-        <p:blipFill>
-          <a:blip r:embed="rId2" cstate="print">
-            <a:extLst>
-              <a:ext uri="{28A0092B-C50C-407E-A947-70E740481C1C}">
-                <a14:useLocalDpi xmlns:a14="http://schemas.microsoft.com/office/drawing/2010/main" val="0"/>
-              </a:ext>
-            </a:extLst>
-          </a:blip>
-          <a:stretch>
-            <a:fillRect/>
-          </a:stretch>
-        </p:blipFill>
-        <p:spPr>
-          <a:xfrm>
-            <a:off x="7456233" y="193964"/>
-            <a:ext cx="4550815" cy="6220691"/>
-          </a:xfrm>
-          <a:prstGeom prst="rect">
-            <a:avLst/>
-          </a:prstGeom>
-        </p:spPr>
-      </p:pic>
-      <p:pic>
-        <p:nvPicPr>
-          <p:cNvPr id="9" name="Рисунок 8"/>
-          <p:cNvPicPr>
-            <a:picLocks noChangeAspect="1"/>
-          </p:cNvPicPr>
-          <p:nvPr/>
-        </p:nvPicPr>
-        <p:blipFill>
-          <a:blip r:embed="rId3" cstate="print">
-            <a:extLst>
-              <a:ext uri="{28A0092B-C50C-407E-A947-70E740481C1C}">
-                <a14:useLocalDpi xmlns:a14="http://schemas.microsoft.com/office/drawing/2010/main" val="0"/>
-              </a:ext>
-            </a:extLst>
-          </a:blip>
-          <a:stretch>
-            <a:fillRect/>
-          </a:stretch>
-        </p:blipFill>
-        <p:spPr>
-          <a:xfrm>
-            <a:off x="3000550" y="193964"/>
-            <a:ext cx="4394784" cy="6208071"/>
-          </a:xfrm>
-          <a:prstGeom prst="rect">
-            <a:avLst/>
-          </a:prstGeom>
-        </p:spPr>
-      </p:pic>
     </p:spTree>
     <p:extLst>
       <p:ext uri="{BB962C8B-B14F-4D97-AF65-F5344CB8AC3E}">
@@ -8557,7 +8467,7 @@
       </p:sp>
       <p:pic>
         <p:nvPicPr>
-          <p:cNvPr id="3" name="Рисунок 2"/>
+          <p:cNvPr id="4" name="Рисунок 3"/>
           <p:cNvPicPr>
             <a:picLocks noChangeAspect="1"/>
           </p:cNvPicPr>
@@ -8577,8 +8487,8 @@
         </p:blipFill>
         <p:spPr>
           <a:xfrm>
-            <a:off x="669781" y="1204665"/>
-            <a:ext cx="9887384" cy="5528644"/>
+            <a:off x="2189019" y="1329356"/>
+            <a:ext cx="7176653" cy="5210447"/>
           </a:xfrm>
           <a:prstGeom prst="rect">
             <a:avLst/>
